--- a/Slides/NYCDotNet-2018-05.pptx
+++ b/Slides/NYCDotNet-2018-05.pptx
@@ -207,7 +207,7 @@
           <a:p>
             <a:fld id="{19C9EF93-521A-4C2C-985E-60F50EA50ADB}" type="datetimeFigureOut">
               <a:rPr lang="en-US"/>
-              <a:t>5/17/2018</a:t>
+              <a:t>6/28/2018</a:t>
             </a:fld>
             <a:endParaRPr lang="en-US"/>
           </a:p>
@@ -1594,7 +1594,7 @@
           <a:p>
             <a:fld id="{ECD19FB2-3AAB-4D03-B13A-2960828C78E3}" type="datetimeFigureOut">
               <a:rPr lang="en-US" dirty="0"/>
-              <a:t>5/17/2018</a:t>
+              <a:t>6/28/2018</a:t>
             </a:fld>
             <a:endParaRPr lang="en-US" dirty="0"/>
           </a:p>
@@ -1871,7 +1871,7 @@
           <a:p>
             <a:fld id="{1B80C674-7DFC-42FE-B9CD-82963CDB1557}" type="datetimeFigureOut">
               <a:rPr lang="en-US" dirty="0"/>
-              <a:t>5/17/2018</a:t>
+              <a:t>6/28/2018</a:t>
             </a:fld>
             <a:endParaRPr lang="en-US" dirty="0"/>
           </a:p>
@@ -2058,7 +2058,7 @@
           <a:p>
             <a:fld id="{2076456F-F47D-4F25-8053-2A695DA0CA7D}" type="datetimeFigureOut">
               <a:rPr lang="en-US" dirty="0"/>
-              <a:t>5/17/2018</a:t>
+              <a:t>6/28/2018</a:t>
             </a:fld>
             <a:endParaRPr lang="en-US" dirty="0"/>
           </a:p>
@@ -2314,7 +2314,7 @@
           <a:p>
             <a:fld id="{5D6C7379-69CC-4837-9905-BEBA22830C8A}" type="datetimeFigureOut">
               <a:rPr lang="en-US" dirty="0"/>
-              <a:t>5/17/2018</a:t>
+              <a:t>6/28/2018</a:t>
             </a:fld>
             <a:endParaRPr lang="en-US" dirty="0"/>
           </a:p>
@@ -2735,7 +2735,7 @@
           <a:p>
             <a:fld id="{49EB8B7E-8AEE-4F10-BFEE-C999AD004D36}" type="datetimeFigureOut">
               <a:rPr lang="en-US" dirty="0"/>
-              <a:t>5/17/2018</a:t>
+              <a:t>6/28/2018</a:t>
             </a:fld>
             <a:endParaRPr lang="en-US" dirty="0"/>
           </a:p>
@@ -3276,7 +3276,7 @@
           <a:p>
             <a:fld id="{8668F3F9-58BC-440B-B37B-805B9055EF92}" type="datetimeFigureOut">
               <a:rPr lang="en-US" dirty="0"/>
-              <a:t>5/17/2018</a:t>
+              <a:t>6/28/2018</a:t>
             </a:fld>
             <a:endParaRPr lang="en-US" dirty="0"/>
           </a:p>
@@ -4102,7 +4102,7 @@
           <a:p>
             <a:fld id="{0D5A53AF-48EA-489D-8260-9DCAB666386A}" type="datetimeFigureOut">
               <a:rPr lang="en-US" dirty="0"/>
-              <a:t>5/17/2018</a:t>
+              <a:t>6/28/2018</a:t>
             </a:fld>
             <a:endParaRPr lang="en-US" dirty="0"/>
           </a:p>
@@ -4267,7 +4267,7 @@
           <a:p>
             <a:fld id="{0DED02AE-B9A4-47BD-AF8E-97E16144138B}" type="datetimeFigureOut">
               <a:rPr lang="en-US" dirty="0"/>
-              <a:t>5/17/2018</a:t>
+              <a:t>6/28/2018</a:t>
             </a:fld>
             <a:endParaRPr lang="en-US" dirty="0"/>
           </a:p>
@@ -4442,7 +4442,7 @@
           <a:p>
             <a:fld id="{CF0FD78B-DB02-4362-BCDC-98A55456977C}" type="datetimeFigureOut">
               <a:rPr lang="en-US" dirty="0"/>
-              <a:t>5/17/2018</a:t>
+              <a:t>6/28/2018</a:t>
             </a:fld>
             <a:endParaRPr lang="en-US" dirty="0"/>
           </a:p>
@@ -4607,7 +4607,7 @@
           <a:p>
             <a:fld id="{99916976-5D93-46E4-A98A-FAD63E4D0EA8}" type="datetimeFigureOut">
               <a:rPr lang="en-US" dirty="0"/>
-              <a:t>5/17/2018</a:t>
+              <a:t>6/28/2018</a:t>
             </a:fld>
             <a:endParaRPr lang="en-US" dirty="0"/>
           </a:p>
@@ -4859,7 +4859,7 @@
           <a:p>
             <a:fld id="{0F39F4F5-F4D2-4D2A-AB60-88D37ADCB869}" type="datetimeFigureOut">
               <a:rPr lang="en-US" dirty="0"/>
-              <a:t>5/17/2018</a:t>
+              <a:t>6/28/2018</a:t>
             </a:fld>
             <a:endParaRPr lang="en-US" dirty="0"/>
           </a:p>
@@ -5086,7 +5086,7 @@
           <a:p>
             <a:fld id="{D23BC6CE-6D1E-47E5-8859-F31AC5380EB2}" type="datetimeFigureOut">
               <a:rPr lang="en-US" dirty="0"/>
-              <a:t>5/17/2018</a:t>
+              <a:t>6/28/2018</a:t>
             </a:fld>
             <a:endParaRPr lang="en-US" dirty="0"/>
           </a:p>
@@ -5474,7 +5474,7 @@
           <a:p>
             <a:fld id="{B1B4E7C4-4DA4-404D-9965-B13F2DD7D8BF}" type="datetimeFigureOut">
               <a:rPr lang="en-US" dirty="0"/>
-              <a:t>5/17/2018</a:t>
+              <a:t>6/28/2018</a:t>
             </a:fld>
             <a:endParaRPr lang="en-US" dirty="0"/>
           </a:p>
@@ -5587,7 +5587,7 @@
           <a:p>
             <a:fld id="{476FB7AA-4A53-424F-AD41-70827B6504BA}" type="datetimeFigureOut">
               <a:rPr lang="en-US" dirty="0"/>
-              <a:t>5/17/2018</a:t>
+              <a:t>6/28/2018</a:t>
             </a:fld>
             <a:endParaRPr lang="en-US" dirty="0"/>
           </a:p>
@@ -5677,7 +5677,7 @@
           <a:p>
             <a:fld id="{E7884882-FB12-4BC8-9960-9AD8104D7FAE}" type="datetimeFigureOut">
               <a:rPr lang="en-US" dirty="0"/>
-              <a:t>5/17/2018</a:t>
+              <a:t>6/28/2018</a:t>
             </a:fld>
             <a:endParaRPr lang="en-US" dirty="0"/>
           </a:p>
@@ -5945,7 +5945,7 @@
           <a:p>
             <a:fld id="{F7D1BD23-6E54-4D9D-AD88-A2813C73CC25}" type="datetimeFigureOut">
               <a:rPr lang="en-US" dirty="0"/>
-              <a:t>5/17/2018</a:t>
+              <a:t>6/28/2018</a:t>
             </a:fld>
             <a:endParaRPr lang="en-US" dirty="0"/>
           </a:p>
@@ -6221,7 +6221,7 @@
           <a:p>
             <a:fld id="{1471A834-4F3C-4AF9-9C74-05EC35A0F292}" type="datetimeFigureOut">
               <a:rPr lang="en-US" dirty="0"/>
-              <a:t>5/17/2018</a:t>
+              <a:t>6/28/2018</a:t>
             </a:fld>
             <a:endParaRPr lang="en-US" dirty="0"/>
           </a:p>
@@ -6456,7 +6456,7 @@
           <a:p>
             <a:fld id="{51CF1133-3259-4C45-BABA-5B62D9C6F78D}" type="datetimeFigureOut">
               <a:rPr lang="en-US" dirty="0"/>
-              <a:t>5/17/2018</a:t>
+              <a:t>6/28/2018</a:t>
             </a:fld>
             <a:endParaRPr lang="en-US" dirty="0"/>
           </a:p>
@@ -7356,12 +7356,20 @@
           </a:p>
           <a:p>
             <a:r>
+              <a:rPr lang="en-US">
+                <a:solidFill>
+                  <a:srgbClr val="FFFFFF"/>
+                </a:solidFill>
+              </a:rPr>
+              <a:t>Vice President </a:t>
+            </a:r>
+            <a:r>
               <a:rPr lang="en-US" dirty="0">
                 <a:solidFill>
                   <a:srgbClr val="FFFFFF"/>
                 </a:solidFill>
               </a:rPr>
-              <a:t>President at AQR Capital Management</a:t>
+              <a:t>at AQR Capital Management</a:t>
             </a:r>
           </a:p>
           <a:p>
@@ -8081,37 +8089,56 @@
           <a:lstStyle/>
           <a:p>
             <a:r>
-              <a:rPr lang="en-US" dirty="0"/>
+              <a:rPr lang="en-US" dirty="0">
+                <a:solidFill>
+                  <a:schemeClr val="tx1"/>
+                </a:solidFill>
+              </a:rPr>
               <a:t>Call for presentations!</a:t>
             </a:r>
           </a:p>
           <a:p>
             <a:pPr lvl="1"/>
             <a:r>
-              <a:rPr lang="en-US" dirty="0"/>
+              <a:rPr lang="en-US" dirty="0">
+                <a:solidFill>
+                  <a:schemeClr val="tx1"/>
+                </a:solidFill>
+              </a:rPr>
               <a:t>Have an idea/topic for a presentation?</a:t>
             </a:r>
           </a:p>
           <a:p>
             <a:pPr lvl="1"/>
             <a:r>
-              <a:rPr lang="en-US" dirty="0"/>
+              <a:rPr lang="en-US" dirty="0">
+                <a:solidFill>
+                  <a:schemeClr val="tx1"/>
+                </a:solidFill>
+              </a:rPr>
               <a:t>Want to give a presentation? </a:t>
             </a:r>
             <a:endParaRPr lang="EN-US" dirty="0">
               <a:solidFill>
-                <a:srgbClr val="FFFFFF"/>
+                <a:schemeClr val="tx1"/>
               </a:solidFill>
             </a:endParaRPr>
           </a:p>
           <a:p>
             <a:pPr lvl="1"/>
             <a:r>
-              <a:rPr lang="en-US" dirty="0"/>
+              <a:rPr lang="en-US" dirty="0">
+                <a:solidFill>
+                  <a:schemeClr val="tx1"/>
+                </a:solidFill>
+              </a:rPr>
               <a:t>Contact Erik or Brian, or tweet </a:t>
             </a:r>
             <a:r>
               <a:rPr lang="en-US" dirty="0">
+                <a:solidFill>
+                  <a:schemeClr val="tx1"/>
+                </a:solidFill>
                 <a:hlinkClick r:id="rId3"/>
               </a:rPr>
               <a:t>@NYCDotNetDevs</a:t>
@@ -8133,7 +8160,11 @@
           </a:p>
           <a:p>
             <a:r>
-              <a:rPr lang="en-US" dirty="0"/>
+              <a:rPr lang="en-US" dirty="0">
+                <a:solidFill>
+                  <a:schemeClr val="tx1"/>
+                </a:solidFill>
+              </a:rPr>
               <a:t>Upcoming meetings</a:t>
             </a:r>
           </a:p>
@@ -8142,7 +8173,7 @@
             <a:r>
               <a:rPr lang="en-US" dirty="0">
                 <a:solidFill>
-                  <a:srgbClr val="FFFFFF"/>
+                  <a:schemeClr val="tx1"/>
                 </a:solidFill>
                 <a:latin typeface="Corbel"/>
               </a:rPr>
@@ -8154,7 +8185,7 @@
             <a:r>
               <a:rPr lang="en-US" dirty="0">
                 <a:solidFill>
-                  <a:srgbClr val="FFFFFF"/>
+                  <a:schemeClr val="tx1"/>
                 </a:solidFill>
                 <a:latin typeface="Corbel"/>
               </a:rPr>
